--- a/Presentaties/GoNoGo/GoNoGo presentatiw.pptx
+++ b/Presentaties/GoNoGo/GoNoGo presentatiw.pptx
@@ -115,6 +115,43 @@
     </p:ext>
   </p:extLst>
 </p:presentation>
+</file>
+
+<file path=ppt/revisionInfo.xml><?xml version="1.0" encoding="utf-8"?>
+<p1510:revInfo xmlns:a="http://schemas.openxmlformats.org/drawingml/2006/main" xmlns:r="http://schemas.openxmlformats.org/officeDocument/2006/relationships" xmlns:p1510="http://schemas.microsoft.com/office/powerpoint/2015/10/main">
+  <p1510:revLst>
+    <p1510:client id="{6BD10707-D531-49CC-82E4-68F114B1B023}" v="25" dt="2021-11-01T08:29:57.871"/>
+  </p1510:revLst>
+</p1510:revInfo>
+</file>
+
+<file path=ppt/changesInfos/changesInfo1.xml><?xml version="1.0" encoding="utf-8"?>
+<pc:chgInfo xmlns:a="http://schemas.openxmlformats.org/drawingml/2006/main" xmlns:r="http://schemas.openxmlformats.org/officeDocument/2006/relationships" xmlns:ac="http://schemas.microsoft.com/office/drawing/2013/main/command" xmlns:pc="http://schemas.microsoft.com/office/powerpoint/2013/main/command">
+  <pc:docChgLst>
+    <pc:chgData name="Scott van den Broek" userId="305b331348fddaf5" providerId="LiveId" clId="{6BD10707-D531-49CC-82E4-68F114B1B023}"/>
+    <pc:docChg chg="modSld">
+      <pc:chgData name="Scott van den Broek" userId="305b331348fddaf5" providerId="LiveId" clId="{6BD10707-D531-49CC-82E4-68F114B1B023}" dt="2021-11-01T08:29:57.871" v="24" actId="20577"/>
+      <pc:docMkLst>
+        <pc:docMk/>
+      </pc:docMkLst>
+      <pc:sldChg chg="modSp">
+        <pc:chgData name="Scott van den Broek" userId="305b331348fddaf5" providerId="LiveId" clId="{6BD10707-D531-49CC-82E4-68F114B1B023}" dt="2021-11-01T08:29:57.871" v="24" actId="20577"/>
+        <pc:sldMkLst>
+          <pc:docMk/>
+          <pc:sldMk cId="1675198389" sldId="259"/>
+        </pc:sldMkLst>
+        <pc:graphicFrameChg chg="mod">
+          <ac:chgData name="Scott van den Broek" userId="305b331348fddaf5" providerId="LiveId" clId="{6BD10707-D531-49CC-82E4-68F114B1B023}" dt="2021-11-01T08:29:57.871" v="24" actId="20577"/>
+          <ac:graphicFrameMkLst>
+            <pc:docMk/>
+            <pc:sldMk cId="1675198389" sldId="259"/>
+            <ac:graphicFrameMk id="5" creationId="{0AC308EB-799F-44CA-9F5C-23B8D491E210}"/>
+          </ac:graphicFrameMkLst>
+        </pc:graphicFrameChg>
+      </pc:sldChg>
+    </pc:docChg>
+  </pc:docChgLst>
+</pc:chgInfo>
 </file>
 
 <file path=ppt/diagrams/colors1.xml><?xml version="1.0" encoding="utf-8"?>
@@ -2317,7 +2354,7 @@
 <dgm:dataModel xmlns:dgm="http://schemas.openxmlformats.org/drawingml/2006/diagram" xmlns:a="http://schemas.openxmlformats.org/drawingml/2006/main">
   <dgm:ptLst>
     <dgm:pt modelId="{08669444-6078-4D91-94DC-EF4626207B1F}" type="doc">
-      <dgm:prSet loTypeId="urn:microsoft.com/office/officeart/2005/8/layout/chevron1" loCatId="process" qsTypeId="urn:microsoft.com/office/officeart/2005/8/quickstyle/simple1" qsCatId="simple" csTypeId="urn:microsoft.com/office/officeart/2005/8/colors/colorful1" csCatId="colorful"/>
+      <dgm:prSet loTypeId="urn:microsoft.com/office/officeart/2005/8/layout/chevron1" loCatId="process" qsTypeId="urn:microsoft.com/office/officeart/2005/8/quickstyle/simple1" qsCatId="simple" csTypeId="urn:microsoft.com/office/officeart/2005/8/colors/colorful1" csCatId="colorful" phldr="1"/>
       <dgm:spPr/>
       <dgm:t>
         <a:bodyPr/>
@@ -2372,10 +2409,16 @@
         <a:lstStyle/>
         <a:p>
           <a:r>
-            <a:rPr lang="nl-NL"/>
+            <a:rPr lang="nl-NL" dirty="0"/>
             <a:t>Melding</a:t>
           </a:r>
-          <a:endParaRPr lang="en-US"/>
+        </a:p>
+        <a:p>
+          <a:r>
+            <a:rPr lang="nl-NL" dirty="0"/>
+            <a:t>(rood licht)</a:t>
+          </a:r>
+          <a:endParaRPr lang="en-US" dirty="0"/>
         </a:p>
       </dgm:t>
     </dgm:pt>
@@ -3085,10 +3128,28 @@
             <a:buNone/>
           </a:pPr>
           <a:r>
-            <a:rPr lang="nl-NL" sz="1900" kern="1200"/>
+            <a:rPr lang="nl-NL" sz="1900" kern="1200" dirty="0"/>
             <a:t>Melding</a:t>
           </a:r>
-          <a:endParaRPr lang="en-US" sz="1900" kern="1200"/>
+        </a:p>
+        <a:p>
+          <a:pPr marL="0" lvl="0" indent="0" algn="ctr" defTabSz="844550">
+            <a:lnSpc>
+              <a:spcPct val="90000"/>
+            </a:lnSpc>
+            <a:spcBef>
+              <a:spcPct val="0"/>
+            </a:spcBef>
+            <a:spcAft>
+              <a:spcPct val="35000"/>
+            </a:spcAft>
+            <a:buNone/>
+          </a:pPr>
+          <a:r>
+            <a:rPr lang="nl-NL" sz="1900" kern="1200" dirty="0"/>
+            <a:t>(rood licht)</a:t>
+          </a:r>
+          <a:endParaRPr lang="en-US" sz="1900" kern="1200" dirty="0"/>
         </a:p>
       </dsp:txBody>
       <dsp:txXfrm>
@@ -5843,7 +5904,7 @@
           <a:p>
             <a:fld id="{72EA7947-E287-4738-8C82-07CE4F01EF03}" type="datetime2">
               <a:rPr lang="en-US" smtClean="0"/>
-              <a:t>Monday, October 4, 2021</a:t>
+              <a:t>Monday, November 1, 2021</a:t>
             </a:fld>
             <a:endParaRPr lang="en-US" dirty="0"/>
           </a:p>
@@ -6879,7 +6940,7 @@
           <a:p>
             <a:fld id="{EE2EBD84-71F4-4271-8C46-0D47C0A9B12E}" type="datetime2">
               <a:rPr lang="en-US" smtClean="0"/>
-              <a:t>Monday, October 4, 2021</a:t>
+              <a:t>Monday, November 1, 2021</a:t>
             </a:fld>
             <a:endParaRPr lang="en-US"/>
           </a:p>
@@ -7090,7 +7151,7 @@
           <a:p>
             <a:fld id="{ABAE0CE1-F450-4107-B2CB-17B18F8A3F4A}" type="datetime2">
               <a:rPr lang="en-US" smtClean="0"/>
-              <a:t>Monday, October 4, 2021</a:t>
+              <a:t>Monday, November 1, 2021</a:t>
             </a:fld>
             <a:endParaRPr lang="en-US"/>
           </a:p>
@@ -7755,7 +7816,7 @@
           <a:p>
             <a:fld id="{6FE8C025-CD7A-4966-867E-81CF82B15267}" type="datetime2">
               <a:rPr lang="en-US" smtClean="0"/>
-              <a:t>Monday, October 4, 2021</a:t>
+              <a:t>Monday, November 1, 2021</a:t>
             </a:fld>
             <a:endParaRPr lang="en-US"/>
           </a:p>
@@ -8375,7 +8436,7 @@
           <a:p>
             <a:fld id="{FE809929-0719-4517-94D6-FDF7F99E70F6}" type="datetime2">
               <a:rPr lang="en-US" smtClean="0"/>
-              <a:t>Monday, October 4, 2021</a:t>
+              <a:t>Monday, November 1, 2021</a:t>
             </a:fld>
             <a:endParaRPr lang="en-US"/>
           </a:p>
@@ -9493,7 +9554,7 @@
           <a:p>
             <a:fld id="{20E95673-5512-4AAA-9AEB-E00C61EC65D5}" type="datetime2">
               <a:rPr lang="en-US" smtClean="0"/>
-              <a:t>Monday, October 4, 2021</a:t>
+              <a:t>Monday, November 1, 2021</a:t>
             </a:fld>
             <a:endParaRPr lang="en-US"/>
           </a:p>
@@ -10040,7 +10101,7 @@
           <a:p>
             <a:fld id="{C13138FA-2E87-4873-8BBA-13E447C9A99A}" type="datetime2">
               <a:rPr lang="en-US" smtClean="0"/>
-              <a:t>Monday, October 4, 2021</a:t>
+              <a:t>Monday, November 1, 2021</a:t>
             </a:fld>
             <a:endParaRPr lang="en-US"/>
           </a:p>
@@ -10201,7 +10262,7 @@
           <a:p>
             <a:fld id="{D75BB40A-97BD-4BFB-B639-0BFF95FDE8B7}" type="datetime2">
               <a:rPr lang="en-US" smtClean="0"/>
-              <a:t>Monday, October 4, 2021</a:t>
+              <a:t>Monday, November 1, 2021</a:t>
             </a:fld>
             <a:endParaRPr lang="en-US"/>
           </a:p>
@@ -11236,7 +11297,7 @@
           <a:p>
             <a:fld id="{9EE9E0E3-ECF6-4CFE-8698-AEFEBCECC3C0}" type="datetime2">
               <a:rPr lang="en-US" smtClean="0"/>
-              <a:t>Monday, October 4, 2021</a:t>
+              <a:t>Monday, November 1, 2021</a:t>
             </a:fld>
             <a:endParaRPr lang="en-US"/>
           </a:p>
@@ -11882,7 +11943,7 @@
           <a:p>
             <a:fld id="{251462FC-960E-4740-921F-B36862979F21}" type="datetime2">
               <a:rPr lang="en-US" smtClean="0"/>
-              <a:t>Monday, October 4, 2021</a:t>
+              <a:t>Monday, November 1, 2021</a:t>
             </a:fld>
             <a:endParaRPr lang="en-US"/>
           </a:p>
@@ -12646,7 +12707,7 @@
           <a:p>
             <a:fld id="{E50BC9E2-CB44-4C05-9BB5-496C18A241E0}" type="datetime2">
               <a:rPr lang="en-US" smtClean="0"/>
-              <a:t>Monday, October 4, 2021</a:t>
+              <a:t>Monday, November 1, 2021</a:t>
             </a:fld>
             <a:endParaRPr lang="en-US"/>
           </a:p>
@@ -12899,7 +12960,7 @@
           <a:p>
             <a:fld id="{246CB39B-5F4C-4A7E-9BE3-AAFD45576D16}" type="datetime2">
               <a:rPr lang="en-US" smtClean="0"/>
-              <a:t>Monday, October 4, 2021</a:t>
+              <a:t>Monday, November 1, 2021</a:t>
             </a:fld>
             <a:endParaRPr lang="en-US" dirty="0"/>
           </a:p>
@@ -15525,7 +15586,7 @@
             <p:ph idx="1"/>
             <p:extLst>
               <p:ext uri="{D42A27DB-BD31-4B8C-83A1-F6EECF244321}">
-                <p14:modId xmlns:p14="http://schemas.microsoft.com/office/powerpoint/2010/main" val="3530230435"/>
+                <p14:modId xmlns:p14="http://schemas.microsoft.com/office/powerpoint/2010/main" val="2102651679"/>
               </p:ext>
             </p:extLst>
           </p:nvPr>
@@ -17444,21 +17505,6 @@
 </file>
 
 <file path=customXml/item1.xml><?xml version="1.0" encoding="utf-8"?>
-<p:properties xmlns:p="http://schemas.microsoft.com/office/2006/metadata/properties" xmlns:xsi="http://www.w3.org/2001/XMLSchema-instance" xmlns:pc="http://schemas.microsoft.com/office/infopath/2007/PartnerControls">
-  <documentManagement/>
-</p:properties>
-</file>
-
-<file path=customXml/item2.xml><?xml version="1.0" encoding="utf-8"?>
-<?mso-contentType ?>
-<FormTemplates xmlns="http://schemas.microsoft.com/sharepoint/v3/contenttype/forms">
-  <Display>DocumentLibraryForm</Display>
-  <Edit>DocumentLibraryForm</Edit>
-  <New>DocumentLibraryForm</New>
-</FormTemplates>
-</file>
-
-<file path=customXml/item3.xml><?xml version="1.0" encoding="utf-8"?>
 <ct:contentTypeSchema xmlns:ct="http://schemas.microsoft.com/office/2006/metadata/contentType" xmlns:ma="http://schemas.microsoft.com/office/2006/metadata/properties/metaAttributes" ct:_="" ma:_="" ma:contentTypeName="Document" ma:contentTypeID="0x01010079F5BD5668A266498D63E9F635533E49" ma:contentTypeVersion="11" ma:contentTypeDescription="Een nieuw document maken." ma:contentTypeScope="" ma:versionID="fba8b19c9d189bcec1615cc5ed4192f6">
   <xsd:schema xmlns:xsd="http://www.w3.org/2001/XMLSchema" xmlns:xs="http://www.w3.org/2001/XMLSchema" xmlns:p="http://schemas.microsoft.com/office/2006/metadata/properties" xmlns:ns3="99bd7bf6-1ff1-466a-b323-15daba06f3fc" xmlns:ns4="06d640db-5e86-4456-b1a8-ffa2a79a6af1" targetNamespace="http://schemas.microsoft.com/office/2006/metadata/properties" ma:root="true" ma:fieldsID="1da965edf1895fb6f83272c095c86a0c" ns3:_="" ns4:_="">
     <xsd:import namespace="99bd7bf6-1ff1-466a-b323-15daba06f3fc"/>
@@ -17669,32 +17715,22 @@
 </ct:contentTypeSchema>
 </file>
 
-<file path=customXml/itemProps1.xml><?xml version="1.0" encoding="utf-8"?>
-<ds:datastoreItem xmlns:ds="http://schemas.openxmlformats.org/officeDocument/2006/customXml" ds:itemID="{F7936FD9-2954-4C31-86E3-A54D29EA7EB7}">
-  <ds:schemaRefs>
-    <ds:schemaRef ds:uri="http://purl.org/dc/terms/"/>
-    <ds:schemaRef ds:uri="http://www.w3.org/XML/1998/namespace"/>
-    <ds:schemaRef ds:uri="http://schemas.microsoft.com/office/infopath/2007/PartnerControls"/>
-    <ds:schemaRef ds:uri="http://purl.org/dc/dcmitype/"/>
-    <ds:schemaRef ds:uri="06d640db-5e86-4456-b1a8-ffa2a79a6af1"/>
-    <ds:schemaRef ds:uri="http://purl.org/dc/elements/1.1/"/>
-    <ds:schemaRef ds:uri="http://schemas.microsoft.com/office/2006/documentManagement/types"/>
-    <ds:schemaRef ds:uri="http://schemas.openxmlformats.org/package/2006/metadata/core-properties"/>
-    <ds:schemaRef ds:uri="99bd7bf6-1ff1-466a-b323-15daba06f3fc"/>
-    <ds:schemaRef ds:uri="http://schemas.microsoft.com/office/2006/metadata/properties"/>
-  </ds:schemaRefs>
-</ds:datastoreItem>
+<file path=customXml/item2.xml><?xml version="1.0" encoding="utf-8"?>
+<?mso-contentType ?>
+<FormTemplates xmlns="http://schemas.microsoft.com/sharepoint/v3/contenttype/forms">
+  <Display>DocumentLibraryForm</Display>
+  <Edit>DocumentLibraryForm</Edit>
+  <New>DocumentLibraryForm</New>
+</FormTemplates>
 </file>
 
-<file path=customXml/itemProps2.xml><?xml version="1.0" encoding="utf-8"?>
-<ds:datastoreItem xmlns:ds="http://schemas.openxmlformats.org/officeDocument/2006/customXml" ds:itemID="{937A08E8-C550-4141-B84E-218E2DD9AD92}">
-  <ds:schemaRefs>
-    <ds:schemaRef ds:uri="http://schemas.microsoft.com/sharepoint/v3/contenttype/forms"/>
-  </ds:schemaRefs>
-</ds:datastoreItem>
+<file path=customXml/item3.xml><?xml version="1.0" encoding="utf-8"?>
+<p:properties xmlns:p="http://schemas.microsoft.com/office/2006/metadata/properties" xmlns:xsi="http://www.w3.org/2001/XMLSchema-instance" xmlns:pc="http://schemas.microsoft.com/office/infopath/2007/PartnerControls">
+  <documentManagement/>
+</p:properties>
 </file>
 
-<file path=customXml/itemProps3.xml><?xml version="1.0" encoding="utf-8"?>
+<file path=customXml/itemProps1.xml><?xml version="1.0" encoding="utf-8"?>
 <ds:datastoreItem xmlns:ds="http://schemas.openxmlformats.org/officeDocument/2006/customXml" ds:itemID="{B10D2693-8CC2-4FEA-8105-D7CB9B1E96E7}">
   <ds:schemaRefs>
     <ds:schemaRef ds:uri="http://schemas.microsoft.com/office/2006/metadata/contentType"/>
@@ -17711,4 +17747,29 @@
     <ds:schemaRef ds:uri="http://schemas.microsoft.com/internal/obd"/>
   </ds:schemaRefs>
 </ds:datastoreItem>
+</file>
+
+<file path=customXml/itemProps2.xml><?xml version="1.0" encoding="utf-8"?>
+<ds:datastoreItem xmlns:ds="http://schemas.openxmlformats.org/officeDocument/2006/customXml" ds:itemID="{937A08E8-C550-4141-B84E-218E2DD9AD92}">
+  <ds:schemaRefs>
+    <ds:schemaRef ds:uri="http://schemas.microsoft.com/sharepoint/v3/contenttype/forms"/>
+  </ds:schemaRefs>
+</ds:datastoreItem>
+</file>
+
+<file path=customXml/itemProps3.xml><?xml version="1.0" encoding="utf-8"?>
+<ds:datastoreItem xmlns:ds="http://schemas.openxmlformats.org/officeDocument/2006/customXml" ds:itemID="{F7936FD9-2954-4C31-86E3-A54D29EA7EB7}">
+  <ds:schemaRefs>
+    <ds:schemaRef ds:uri="http://purl.org/dc/terms/"/>
+    <ds:schemaRef ds:uri="http://www.w3.org/XML/1998/namespace"/>
+    <ds:schemaRef ds:uri="http://schemas.microsoft.com/office/infopath/2007/PartnerControls"/>
+    <ds:schemaRef ds:uri="http://purl.org/dc/dcmitype/"/>
+    <ds:schemaRef ds:uri="06d640db-5e86-4456-b1a8-ffa2a79a6af1"/>
+    <ds:schemaRef ds:uri="http://purl.org/dc/elements/1.1/"/>
+    <ds:schemaRef ds:uri="http://schemas.microsoft.com/office/2006/documentManagement/types"/>
+    <ds:schemaRef ds:uri="http://schemas.openxmlformats.org/package/2006/metadata/core-properties"/>
+    <ds:schemaRef ds:uri="99bd7bf6-1ff1-466a-b323-15daba06f3fc"/>
+    <ds:schemaRef ds:uri="http://schemas.microsoft.com/office/2006/metadata/properties"/>
+  </ds:schemaRefs>
+</ds:datastoreItem>
 </file>